--- a/12241078兰登科_毕业论文答辩PPT.pptx
+++ b/12241078兰登科_毕业论文答辩PPT.pptx
@@ -5,9 +5,10 @@
     <p:sldMasterId id="2147483648" r:id="rId1"/>
   </p:sldMasterIdLst>
   <p:sldIdLst>
-    <p:sldId id="256" r:id="rId3"/>
-    <p:sldId id="257" r:id="rId4"/>
-    <p:sldId id="258" r:id="rId5"/>
+    <p:sldId id="256" r:id="rId2"/>
+    <p:sldId id="257" r:id="rId3"/>
+    <p:sldId id="258" r:id="rId4"/>
+    <p:sldId id="262" r:id="rId5"/>
     <p:sldId id="259" r:id="rId6"/>
     <p:sldId id="260" r:id="rId7"/>
     <p:sldId id="261" r:id="rId8"/>
@@ -299,6 +300,7 @@
           <a:p>
             <a:fld id="{530820CF-B880-4189-942D-D702A7CBA730}" type="datetimeFigureOut">
               <a:rPr lang="zh-CN" altLang="en-US" smtClean="0"/>
+              <a:t>2016/5/12</a:t>
             </a:fld>
             <a:endParaRPr lang="zh-CN" altLang="en-US"/>
           </a:p>
@@ -340,6 +342,7 @@
           <a:p>
             <a:fld id="{0C913308-F349-4B6D-A68A-DD1791B4A57B}" type="slidenum">
               <a:rPr lang="zh-CN" altLang="en-US" smtClean="0"/>
+              <a:t>‹#›</a:t>
             </a:fld>
             <a:endParaRPr lang="zh-CN" altLang="en-US"/>
           </a:p>
@@ -413,7 +416,6 @@
               <a:rPr lang="zh-CN" altLang="en-US" smtClean="0"/>
               <a:t>单击此处编辑母版文本样式</a:t>
             </a:r>
-            <a:endParaRPr lang="zh-CN" altLang="en-US" smtClean="0"/>
           </a:p>
           <a:p>
             <a:pPr lvl="1"/>
@@ -421,7 +423,6 @@
               <a:rPr lang="zh-CN" altLang="en-US" smtClean="0"/>
               <a:t>第二级</a:t>
             </a:r>
-            <a:endParaRPr lang="zh-CN" altLang="en-US" smtClean="0"/>
           </a:p>
           <a:p>
             <a:pPr lvl="2"/>
@@ -429,7 +430,6 @@
               <a:rPr lang="zh-CN" altLang="en-US" smtClean="0"/>
               <a:t>第三级</a:t>
             </a:r>
-            <a:endParaRPr lang="zh-CN" altLang="en-US" smtClean="0"/>
           </a:p>
           <a:p>
             <a:pPr lvl="3"/>
@@ -437,7 +437,6 @@
               <a:rPr lang="zh-CN" altLang="en-US" smtClean="0"/>
               <a:t>第四级</a:t>
             </a:r>
-            <a:endParaRPr lang="zh-CN" altLang="en-US" smtClean="0"/>
           </a:p>
           <a:p>
             <a:pPr lvl="4"/>
@@ -466,6 +465,7 @@
           <a:p>
             <a:fld id="{530820CF-B880-4189-942D-D702A7CBA730}" type="datetimeFigureOut">
               <a:rPr lang="zh-CN" altLang="en-US" smtClean="0"/>
+              <a:t>2016/5/12</a:t>
             </a:fld>
             <a:endParaRPr lang="zh-CN" altLang="en-US"/>
           </a:p>
@@ -507,6 +507,7 @@
           <a:p>
             <a:fld id="{0C913308-F349-4B6D-A68A-DD1791B4A57B}" type="slidenum">
               <a:rPr lang="zh-CN" altLang="en-US" smtClean="0"/>
+              <a:t>‹#›</a:t>
             </a:fld>
             <a:endParaRPr lang="zh-CN" altLang="en-US"/>
           </a:p>
@@ -590,7 +591,6 @@
               <a:rPr lang="zh-CN" altLang="en-US" smtClean="0"/>
               <a:t>单击此处编辑母版文本样式</a:t>
             </a:r>
-            <a:endParaRPr lang="zh-CN" altLang="en-US" smtClean="0"/>
           </a:p>
           <a:p>
             <a:pPr lvl="1"/>
@@ -598,7 +598,6 @@
               <a:rPr lang="zh-CN" altLang="en-US" smtClean="0"/>
               <a:t>第二级</a:t>
             </a:r>
-            <a:endParaRPr lang="zh-CN" altLang="en-US" smtClean="0"/>
           </a:p>
           <a:p>
             <a:pPr lvl="2"/>
@@ -606,7 +605,6 @@
               <a:rPr lang="zh-CN" altLang="en-US" smtClean="0"/>
               <a:t>第三级</a:t>
             </a:r>
-            <a:endParaRPr lang="zh-CN" altLang="en-US" smtClean="0"/>
           </a:p>
           <a:p>
             <a:pPr lvl="3"/>
@@ -614,7 +612,6 @@
               <a:rPr lang="zh-CN" altLang="en-US" smtClean="0"/>
               <a:t>第四级</a:t>
             </a:r>
-            <a:endParaRPr lang="zh-CN" altLang="en-US" smtClean="0"/>
           </a:p>
           <a:p>
             <a:pPr lvl="4"/>
@@ -643,6 +640,7 @@
           <a:p>
             <a:fld id="{530820CF-B880-4189-942D-D702A7CBA730}" type="datetimeFigureOut">
               <a:rPr lang="zh-CN" altLang="en-US" smtClean="0"/>
+              <a:t>2016/5/12</a:t>
             </a:fld>
             <a:endParaRPr lang="zh-CN" altLang="en-US"/>
           </a:p>
@@ -684,6 +682,7 @@
           <a:p>
             <a:fld id="{0C913308-F349-4B6D-A68A-DD1791B4A57B}" type="slidenum">
               <a:rPr lang="zh-CN" altLang="en-US" smtClean="0"/>
+              <a:t>‹#›</a:t>
             </a:fld>
             <a:endParaRPr lang="zh-CN" altLang="en-US"/>
           </a:p>
@@ -757,7 +756,6 @@
               <a:rPr lang="zh-CN" altLang="en-US" smtClean="0"/>
               <a:t>单击此处编辑母版文本样式</a:t>
             </a:r>
-            <a:endParaRPr lang="zh-CN" altLang="en-US" smtClean="0"/>
           </a:p>
           <a:p>
             <a:pPr lvl="1"/>
@@ -765,7 +763,6 @@
               <a:rPr lang="zh-CN" altLang="en-US" smtClean="0"/>
               <a:t>第二级</a:t>
             </a:r>
-            <a:endParaRPr lang="zh-CN" altLang="en-US" smtClean="0"/>
           </a:p>
           <a:p>
             <a:pPr lvl="2"/>
@@ -773,7 +770,6 @@
               <a:rPr lang="zh-CN" altLang="en-US" smtClean="0"/>
               <a:t>第三级</a:t>
             </a:r>
-            <a:endParaRPr lang="zh-CN" altLang="en-US" smtClean="0"/>
           </a:p>
           <a:p>
             <a:pPr lvl="3"/>
@@ -781,7 +777,6 @@
               <a:rPr lang="zh-CN" altLang="en-US" smtClean="0"/>
               <a:t>第四级</a:t>
             </a:r>
-            <a:endParaRPr lang="zh-CN" altLang="en-US" smtClean="0"/>
           </a:p>
           <a:p>
             <a:pPr lvl="4"/>
@@ -810,6 +805,7 @@
           <a:p>
             <a:fld id="{530820CF-B880-4189-942D-D702A7CBA730}" type="datetimeFigureOut">
               <a:rPr lang="zh-CN" altLang="en-US" smtClean="0"/>
+              <a:t>2016/5/12</a:t>
             </a:fld>
             <a:endParaRPr lang="zh-CN" altLang="en-US"/>
           </a:p>
@@ -851,6 +847,7 @@
           <a:p>
             <a:fld id="{0C913308-F349-4B6D-A68A-DD1791B4A57B}" type="slidenum">
               <a:rPr lang="zh-CN" altLang="en-US" smtClean="0"/>
+              <a:t>‹#›</a:t>
             </a:fld>
             <a:endParaRPr lang="zh-CN" altLang="en-US"/>
           </a:p>
@@ -1029,7 +1026,6 @@
               <a:rPr lang="zh-CN" altLang="en-US" smtClean="0"/>
               <a:t>单击此处编辑母版文本样式</a:t>
             </a:r>
-            <a:endParaRPr lang="zh-CN" altLang="en-US" smtClean="0"/>
           </a:p>
         </p:txBody>
       </p:sp>
@@ -1050,6 +1046,7 @@
           <a:p>
             <a:fld id="{530820CF-B880-4189-942D-D702A7CBA730}" type="datetimeFigureOut">
               <a:rPr lang="zh-CN" altLang="en-US" smtClean="0"/>
+              <a:t>2016/5/12</a:t>
             </a:fld>
             <a:endParaRPr lang="zh-CN" altLang="en-US"/>
           </a:p>
@@ -1091,6 +1088,7 @@
           <a:p>
             <a:fld id="{0C913308-F349-4B6D-A68A-DD1791B4A57B}" type="slidenum">
               <a:rPr lang="zh-CN" altLang="en-US" smtClean="0"/>
+              <a:t>‹#›</a:t>
             </a:fld>
             <a:endParaRPr lang="zh-CN" altLang="en-US"/>
           </a:p>
@@ -1197,7 +1195,6 @@
               <a:rPr lang="zh-CN" altLang="en-US" smtClean="0"/>
               <a:t>单击此处编辑母版文本样式</a:t>
             </a:r>
-            <a:endParaRPr lang="zh-CN" altLang="en-US" smtClean="0"/>
           </a:p>
           <a:p>
             <a:pPr lvl="1"/>
@@ -1205,7 +1202,6 @@
               <a:rPr lang="zh-CN" altLang="en-US" smtClean="0"/>
               <a:t>第二级</a:t>
             </a:r>
-            <a:endParaRPr lang="zh-CN" altLang="en-US" smtClean="0"/>
           </a:p>
           <a:p>
             <a:pPr lvl="2"/>
@@ -1213,7 +1209,6 @@
               <a:rPr lang="zh-CN" altLang="en-US" smtClean="0"/>
               <a:t>第三级</a:t>
             </a:r>
-            <a:endParaRPr lang="zh-CN" altLang="en-US" smtClean="0"/>
           </a:p>
           <a:p>
             <a:pPr lvl="3"/>
@@ -1221,7 +1216,6 @@
               <a:rPr lang="zh-CN" altLang="en-US" smtClean="0"/>
               <a:t>第四级</a:t>
             </a:r>
-            <a:endParaRPr lang="zh-CN" altLang="en-US" smtClean="0"/>
           </a:p>
           <a:p>
             <a:pPr lvl="4"/>
@@ -1286,7 +1280,6 @@
               <a:rPr lang="zh-CN" altLang="en-US" smtClean="0"/>
               <a:t>单击此处编辑母版文本样式</a:t>
             </a:r>
-            <a:endParaRPr lang="zh-CN" altLang="en-US" smtClean="0"/>
           </a:p>
           <a:p>
             <a:pPr lvl="1"/>
@@ -1294,7 +1287,6 @@
               <a:rPr lang="zh-CN" altLang="en-US" smtClean="0"/>
               <a:t>第二级</a:t>
             </a:r>
-            <a:endParaRPr lang="zh-CN" altLang="en-US" smtClean="0"/>
           </a:p>
           <a:p>
             <a:pPr lvl="2"/>
@@ -1302,7 +1294,6 @@
               <a:rPr lang="zh-CN" altLang="en-US" smtClean="0"/>
               <a:t>第三级</a:t>
             </a:r>
-            <a:endParaRPr lang="zh-CN" altLang="en-US" smtClean="0"/>
           </a:p>
           <a:p>
             <a:pPr lvl="3"/>
@@ -1310,7 +1301,6 @@
               <a:rPr lang="zh-CN" altLang="en-US" smtClean="0"/>
               <a:t>第四级</a:t>
             </a:r>
-            <a:endParaRPr lang="zh-CN" altLang="en-US" smtClean="0"/>
           </a:p>
           <a:p>
             <a:pPr lvl="4"/>
@@ -1339,6 +1329,7 @@
           <a:p>
             <a:fld id="{530820CF-B880-4189-942D-D702A7CBA730}" type="datetimeFigureOut">
               <a:rPr lang="zh-CN" altLang="en-US" smtClean="0"/>
+              <a:t>2016/5/12</a:t>
             </a:fld>
             <a:endParaRPr lang="zh-CN" altLang="en-US"/>
           </a:p>
@@ -1380,6 +1371,7 @@
           <a:p>
             <a:fld id="{0C913308-F349-4B6D-A68A-DD1791B4A57B}" type="slidenum">
               <a:rPr lang="zh-CN" altLang="en-US" smtClean="0"/>
+              <a:t>‹#›</a:t>
             </a:fld>
             <a:endParaRPr lang="zh-CN" altLang="en-US"/>
           </a:p>
@@ -1499,7 +1491,6 @@
               <a:rPr lang="zh-CN" altLang="en-US" smtClean="0"/>
               <a:t>单击此处编辑母版文本样式</a:t>
             </a:r>
-            <a:endParaRPr lang="zh-CN" altLang="en-US" smtClean="0"/>
           </a:p>
         </p:txBody>
       </p:sp>
@@ -1556,7 +1547,6 @@
               <a:rPr lang="zh-CN" altLang="en-US" smtClean="0"/>
               <a:t>单击此处编辑母版文本样式</a:t>
             </a:r>
-            <a:endParaRPr lang="zh-CN" altLang="en-US" smtClean="0"/>
           </a:p>
           <a:p>
             <a:pPr lvl="1"/>
@@ -1564,7 +1554,6 @@
               <a:rPr lang="zh-CN" altLang="en-US" smtClean="0"/>
               <a:t>第二级</a:t>
             </a:r>
-            <a:endParaRPr lang="zh-CN" altLang="en-US" smtClean="0"/>
           </a:p>
           <a:p>
             <a:pPr lvl="2"/>
@@ -1572,7 +1561,6 @@
               <a:rPr lang="zh-CN" altLang="en-US" smtClean="0"/>
               <a:t>第三级</a:t>
             </a:r>
-            <a:endParaRPr lang="zh-CN" altLang="en-US" smtClean="0"/>
           </a:p>
           <a:p>
             <a:pPr lvl="3"/>
@@ -1580,7 +1568,6 @@
               <a:rPr lang="zh-CN" altLang="en-US" smtClean="0"/>
               <a:t>第四级</a:t>
             </a:r>
-            <a:endParaRPr lang="zh-CN" altLang="en-US" smtClean="0"/>
           </a:p>
           <a:p>
             <a:pPr lvl="4"/>
@@ -1654,7 +1641,6 @@
               <a:rPr lang="zh-CN" altLang="en-US" smtClean="0"/>
               <a:t>单击此处编辑母版文本样式</a:t>
             </a:r>
-            <a:endParaRPr lang="zh-CN" altLang="en-US" smtClean="0"/>
           </a:p>
         </p:txBody>
       </p:sp>
@@ -1711,7 +1697,6 @@
               <a:rPr lang="zh-CN" altLang="en-US" smtClean="0"/>
               <a:t>单击此处编辑母版文本样式</a:t>
             </a:r>
-            <a:endParaRPr lang="zh-CN" altLang="en-US" smtClean="0"/>
           </a:p>
           <a:p>
             <a:pPr lvl="1"/>
@@ -1719,7 +1704,6 @@
               <a:rPr lang="zh-CN" altLang="en-US" smtClean="0"/>
               <a:t>第二级</a:t>
             </a:r>
-            <a:endParaRPr lang="zh-CN" altLang="en-US" smtClean="0"/>
           </a:p>
           <a:p>
             <a:pPr lvl="2"/>
@@ -1727,7 +1711,6 @@
               <a:rPr lang="zh-CN" altLang="en-US" smtClean="0"/>
               <a:t>第三级</a:t>
             </a:r>
-            <a:endParaRPr lang="zh-CN" altLang="en-US" smtClean="0"/>
           </a:p>
           <a:p>
             <a:pPr lvl="3"/>
@@ -1735,7 +1718,6 @@
               <a:rPr lang="zh-CN" altLang="en-US" smtClean="0"/>
               <a:t>第四级</a:t>
             </a:r>
-            <a:endParaRPr lang="zh-CN" altLang="en-US" smtClean="0"/>
           </a:p>
           <a:p>
             <a:pPr lvl="4"/>
@@ -1764,6 +1746,7 @@
           <a:p>
             <a:fld id="{530820CF-B880-4189-942D-D702A7CBA730}" type="datetimeFigureOut">
               <a:rPr lang="zh-CN" altLang="en-US" smtClean="0"/>
+              <a:t>2016/5/12</a:t>
             </a:fld>
             <a:endParaRPr lang="zh-CN" altLang="en-US"/>
           </a:p>
@@ -1805,6 +1788,7 @@
           <a:p>
             <a:fld id="{0C913308-F349-4B6D-A68A-DD1791B4A57B}" type="slidenum">
               <a:rPr lang="zh-CN" altLang="en-US" smtClean="0"/>
+              <a:t>‹#›</a:t>
             </a:fld>
             <a:endParaRPr lang="zh-CN" altLang="en-US"/>
           </a:p>
@@ -1875,6 +1859,7 @@
           <a:p>
             <a:fld id="{530820CF-B880-4189-942D-D702A7CBA730}" type="datetimeFigureOut">
               <a:rPr lang="zh-CN" altLang="en-US" smtClean="0"/>
+              <a:t>2016/5/12</a:t>
             </a:fld>
             <a:endParaRPr lang="zh-CN" altLang="en-US"/>
           </a:p>
@@ -1916,6 +1901,7 @@
           <a:p>
             <a:fld id="{0C913308-F349-4B6D-A68A-DD1791B4A57B}" type="slidenum">
               <a:rPr lang="zh-CN" altLang="en-US" smtClean="0"/>
+              <a:t>‹#›</a:t>
             </a:fld>
             <a:endParaRPr lang="zh-CN" altLang="en-US"/>
           </a:p>
@@ -1963,6 +1949,7 @@
           <a:p>
             <a:fld id="{530820CF-B880-4189-942D-D702A7CBA730}" type="datetimeFigureOut">
               <a:rPr lang="zh-CN" altLang="en-US" smtClean="0"/>
+              <a:t>2016/5/12</a:t>
             </a:fld>
             <a:endParaRPr lang="zh-CN" altLang="en-US"/>
           </a:p>
@@ -2004,6 +1991,7 @@
           <a:p>
             <a:fld id="{0C913308-F349-4B6D-A68A-DD1791B4A57B}" type="slidenum">
               <a:rPr lang="zh-CN" altLang="en-US" smtClean="0"/>
+              <a:t>‹#›</a:t>
             </a:fld>
             <a:endParaRPr lang="zh-CN" altLang="en-US"/>
           </a:p>
@@ -2119,7 +2107,6 @@
               <a:rPr lang="zh-CN" altLang="en-US" smtClean="0"/>
               <a:t>单击此处编辑母版文本样式</a:t>
             </a:r>
-            <a:endParaRPr lang="zh-CN" altLang="en-US" smtClean="0"/>
           </a:p>
           <a:p>
             <a:pPr lvl="1"/>
@@ -2127,7 +2114,6 @@
               <a:rPr lang="zh-CN" altLang="en-US" smtClean="0"/>
               <a:t>第二级</a:t>
             </a:r>
-            <a:endParaRPr lang="zh-CN" altLang="en-US" smtClean="0"/>
           </a:p>
           <a:p>
             <a:pPr lvl="2"/>
@@ -2135,7 +2121,6 @@
               <a:rPr lang="zh-CN" altLang="en-US" smtClean="0"/>
               <a:t>第三级</a:t>
             </a:r>
-            <a:endParaRPr lang="zh-CN" altLang="en-US" smtClean="0"/>
           </a:p>
           <a:p>
             <a:pPr lvl="3"/>
@@ -2143,7 +2128,6 @@
               <a:rPr lang="zh-CN" altLang="en-US" smtClean="0"/>
               <a:t>第四级</a:t>
             </a:r>
-            <a:endParaRPr lang="zh-CN" altLang="en-US" smtClean="0"/>
           </a:p>
           <a:p>
             <a:pPr lvl="4"/>
@@ -2217,7 +2201,6 @@
               <a:rPr lang="zh-CN" altLang="en-US" smtClean="0"/>
               <a:t>单击此处编辑母版文本样式</a:t>
             </a:r>
-            <a:endParaRPr lang="zh-CN" altLang="en-US" smtClean="0"/>
           </a:p>
         </p:txBody>
       </p:sp>
@@ -2238,6 +2221,7 @@
           <a:p>
             <a:fld id="{530820CF-B880-4189-942D-D702A7CBA730}" type="datetimeFigureOut">
               <a:rPr lang="zh-CN" altLang="en-US" smtClean="0"/>
+              <a:t>2016/5/12</a:t>
             </a:fld>
             <a:endParaRPr lang="zh-CN" altLang="en-US"/>
           </a:p>
@@ -2279,6 +2263,7 @@
           <a:p>
             <a:fld id="{0C913308-F349-4B6D-A68A-DD1791B4A57B}" type="slidenum">
               <a:rPr lang="zh-CN" altLang="en-US" smtClean="0"/>
+              <a:t>‹#›</a:t>
             </a:fld>
             <a:endParaRPr lang="zh-CN" altLang="en-US"/>
           </a:p>
@@ -2464,7 +2449,6 @@
               <a:rPr lang="zh-CN" altLang="en-US" smtClean="0"/>
               <a:t>单击此处编辑母版文本样式</a:t>
             </a:r>
-            <a:endParaRPr lang="zh-CN" altLang="en-US" smtClean="0"/>
           </a:p>
         </p:txBody>
       </p:sp>
@@ -2485,6 +2469,7 @@
           <a:p>
             <a:fld id="{530820CF-B880-4189-942D-D702A7CBA730}" type="datetimeFigureOut">
               <a:rPr lang="zh-CN" altLang="en-US" smtClean="0"/>
+              <a:t>2016/5/12</a:t>
             </a:fld>
             <a:endParaRPr lang="zh-CN" altLang="en-US"/>
           </a:p>
@@ -2526,6 +2511,7 @@
           <a:p>
             <a:fld id="{0C913308-F349-4B6D-A68A-DD1791B4A57B}" type="slidenum">
               <a:rPr lang="zh-CN" altLang="en-US" smtClean="0"/>
+              <a:t>‹#›</a:t>
             </a:fld>
             <a:endParaRPr lang="zh-CN" altLang="en-US"/>
           </a:p>
@@ -2624,7 +2610,6 @@
               <a:rPr lang="zh-CN" altLang="en-US" smtClean="0"/>
               <a:t>单击此处编辑母版文本样式</a:t>
             </a:r>
-            <a:endParaRPr lang="zh-CN" altLang="en-US" smtClean="0"/>
           </a:p>
           <a:p>
             <a:pPr lvl="1"/>
@@ -2632,7 +2617,6 @@
               <a:rPr lang="zh-CN" altLang="en-US" smtClean="0"/>
               <a:t>第二级</a:t>
             </a:r>
-            <a:endParaRPr lang="zh-CN" altLang="en-US" smtClean="0"/>
           </a:p>
           <a:p>
             <a:pPr lvl="2"/>
@@ -2640,7 +2624,6 @@
               <a:rPr lang="zh-CN" altLang="en-US" smtClean="0"/>
               <a:t>第三级</a:t>
             </a:r>
-            <a:endParaRPr lang="zh-CN" altLang="en-US" smtClean="0"/>
           </a:p>
           <a:p>
             <a:pPr lvl="3"/>
@@ -2648,7 +2631,6 @@
               <a:rPr lang="zh-CN" altLang="en-US" smtClean="0"/>
               <a:t>第四级</a:t>
             </a:r>
-            <a:endParaRPr lang="zh-CN" altLang="en-US" smtClean="0"/>
           </a:p>
           <a:p>
             <a:pPr lvl="4"/>
@@ -2695,6 +2677,7 @@
           <a:p>
             <a:fld id="{530820CF-B880-4189-942D-D702A7CBA730}" type="datetimeFigureOut">
               <a:rPr lang="zh-CN" altLang="en-US" smtClean="0"/>
+              <a:t>2016/5/12</a:t>
             </a:fld>
             <a:endParaRPr lang="zh-CN" altLang="en-US"/>
           </a:p>
@@ -2772,6 +2755,7 @@
           <a:p>
             <a:fld id="{0C913308-F349-4B6D-A68A-DD1791B4A57B}" type="slidenum">
               <a:rPr lang="zh-CN" altLang="en-US" smtClean="0"/>
+              <a:t>‹#›</a:t>
             </a:fld>
             <a:endParaRPr lang="zh-CN" altLang="en-US"/>
           </a:p>
@@ -3085,7 +3069,7 @@
           <a:p>
             <a:r>
               <a:rPr lang="zh-CN" altLang="en-US" dirty="0" smtClean="0"/>
-              <a:t>水果批发市场综合应用系统的实际与实现</a:t>
+              <a:t>水果批发市场综合应用系统的设计与实现</a:t>
             </a:r>
             <a:endParaRPr lang="zh-CN" altLang="en-US" dirty="0"/>
           </a:p>
@@ -3360,12 +3344,12 @@
           <a:graphicData uri="http://schemas.openxmlformats.org/presentationml/2006/ole">
             <mc:AlternateContent xmlns:mc="http://schemas.openxmlformats.org/markup-compatibility/2006">
               <mc:Choice xmlns:v="urn:schemas-microsoft-com:vml" Requires="v">
-                <p:oleObj spid="_x0000_s1031" name="Visio" r:id="rId1" imgW="6019800" imgH="5270500" progId="Visio.Drawing.11">
+                <p:oleObj spid="_x0000_s1039" name="Visio" r:id="rId3" imgW="6019800" imgH="5270500" progId="Visio.Drawing.11">
                   <p:embed/>
                 </p:oleObj>
               </mc:Choice>
               <mc:Fallback>
-                <p:oleObj name="Visio" r:id="rId1" imgW="6019800" imgH="5270500" progId="Visio.Drawing.11">
+                <p:oleObj name="Visio" r:id="rId3" imgW="6019800" imgH="5270500" progId="Visio.Drawing.11">
                   <p:embed/>
                   <p:pic>
                     <p:nvPicPr>
@@ -3376,7 +3360,7 @@
                       <p:nvPr/>
                     </p:nvPicPr>
                     <p:blipFill>
-                      <a:blip r:embed="rId2">
+                      <a:blip r:embed="rId4">
                         <a:extLst>
                           <a:ext uri="{28A0092B-C50C-407E-A947-70E740481C1C}">
                             <a14:useLocalDpi xmlns:a14="http://schemas.microsoft.com/office/drawing/2010/main" val="0"/>
@@ -3451,14 +3435,12 @@
         </p:nvSpPr>
         <p:spPr/>
         <p:txBody>
-          <a:bodyPr>
-            <a:normAutofit/>
-          </a:bodyPr>
+          <a:bodyPr/>
           <a:lstStyle/>
           <a:p>
             <a:r>
               <a:rPr lang="zh-CN" altLang="en-US" dirty="0" smtClean="0"/>
-              <a:t>开发平台介绍</a:t>
+              <a:t>实现的功能</a:t>
             </a:r>
             <a:endParaRPr lang="zh-CN" altLang="en-US" dirty="0"/>
           </a:p>
@@ -3481,89 +3463,117 @@
           <a:p>
             <a:r>
               <a:rPr lang="zh-CN" altLang="en-US" dirty="0" smtClean="0"/>
-              <a:t>本系统基于</a:t>
+              <a:t>前端传到后端的</a:t>
+            </a:r>
+            <a:r>
+              <a:rPr lang="en-US" altLang="zh-CN" dirty="0" err="1" smtClean="0"/>
+              <a:t>json</a:t>
+            </a:r>
+            <a:r>
+              <a:rPr lang="zh-CN" altLang="en-US" dirty="0" smtClean="0"/>
+              <a:t>格式的数据使用</a:t>
             </a:r>
             <a:r>
               <a:rPr lang="en-US" altLang="zh-CN" dirty="0" smtClean="0"/>
-              <a:t>Java Web</a:t>
+              <a:t>Spring</a:t>
             </a:r>
             <a:r>
               <a:rPr lang="zh-CN" altLang="en-US" dirty="0" smtClean="0"/>
-              <a:t>平台开发</a:t>
+              <a:t>中</a:t>
+            </a:r>
+            <a:r>
+              <a:rPr lang="en-US" altLang="zh-CN" dirty="0" smtClean="0"/>
+              <a:t>@</a:t>
+            </a:r>
+            <a:r>
+              <a:rPr lang="en-US" altLang="zh-CN" dirty="0" err="1" smtClean="0"/>
+              <a:t>RequestBody</a:t>
+            </a:r>
+            <a:r>
+              <a:rPr lang="zh-CN" altLang="en-US" dirty="0" smtClean="0"/>
+              <a:t>注解转换成</a:t>
+            </a:r>
+            <a:r>
+              <a:rPr lang="en-US" altLang="zh-CN" dirty="0" smtClean="0"/>
+              <a:t>Map</a:t>
+            </a:r>
+            <a:r>
+              <a:rPr lang="zh-CN" altLang="en-US" dirty="0" smtClean="0"/>
+              <a:t>格式，通过</a:t>
+            </a:r>
+            <a:r>
+              <a:rPr lang="en-US" altLang="zh-CN" dirty="0" smtClean="0"/>
+              <a:t>@</a:t>
+            </a:r>
+            <a:r>
+              <a:rPr lang="en-US" altLang="zh-CN" dirty="0" err="1" smtClean="0"/>
+              <a:t>ResponseBody</a:t>
+            </a:r>
+            <a:r>
+              <a:rPr lang="zh-CN" altLang="en-US" dirty="0" smtClean="0"/>
+              <a:t>注解将返回的</a:t>
+            </a:r>
+            <a:r>
+              <a:rPr lang="en-US" altLang="zh-CN" dirty="0" smtClean="0"/>
+              <a:t>Java</a:t>
+            </a:r>
+            <a:r>
+              <a:rPr lang="zh-CN" altLang="en-US" dirty="0" smtClean="0"/>
+              <a:t>对象转换成</a:t>
+            </a:r>
+            <a:r>
+              <a:rPr lang="en-US" altLang="zh-CN" dirty="0" err="1" smtClean="0"/>
+              <a:t>json</a:t>
+            </a:r>
+            <a:r>
+              <a:rPr lang="zh-CN" altLang="en-US" dirty="0" smtClean="0"/>
+              <a:t>格式的字符串返回给前端</a:t>
             </a:r>
             <a:endParaRPr lang="en-US" altLang="zh-CN" dirty="0" smtClean="0"/>
           </a:p>
           <a:p>
             <a:r>
+              <a:rPr lang="en-US" altLang="zh-CN" dirty="0" smtClean="0"/>
+              <a:t>Dao</a:t>
+            </a:r>
+            <a:r>
               <a:rPr lang="zh-CN" altLang="en-US" dirty="0" smtClean="0"/>
-              <a:t>使用</a:t>
+              <a:t>层的所有类都继承了类</a:t>
+            </a:r>
+            <a:r>
+              <a:rPr lang="en-US" altLang="zh-CN" dirty="0" err="1" smtClean="0"/>
+              <a:t>BaseDao</a:t>
+            </a:r>
+            <a:r>
+              <a:rPr lang="zh-CN" altLang="en-US" dirty="0" smtClean="0"/>
+              <a:t>，通过反射技术来获取运行时类的泛型参数类型，而后初始化相应的</a:t>
+            </a:r>
+            <a:r>
+              <a:rPr lang="en-US" altLang="zh-CN" dirty="0" err="1" smtClean="0"/>
+              <a:t>RowMapper</a:t>
+            </a:r>
+            <a:r>
+              <a:rPr lang="zh-CN" altLang="en-US" dirty="0" smtClean="0"/>
+              <a:t>，通过该方法可实现</a:t>
             </a:r>
             <a:r>
               <a:rPr lang="en-US" altLang="zh-CN" dirty="0" smtClean="0"/>
-              <a:t>MySQL</a:t>
+              <a:t>Dao</a:t>
             </a:r>
             <a:r>
               <a:rPr lang="zh-CN" altLang="en-US" dirty="0" smtClean="0"/>
-              <a:t>数据库存储数据</a:t>
-            </a:r>
-            <a:endParaRPr lang="en-US" altLang="zh-CN" dirty="0" smtClean="0"/>
-          </a:p>
-          <a:p>
-            <a:r>
-              <a:rPr lang="zh-CN" altLang="en-US" dirty="0"/>
-              <a:t>运行</a:t>
-            </a:r>
-            <a:r>
-              <a:rPr lang="zh-CN" altLang="en-US" dirty="0" smtClean="0"/>
-              <a:t>于</a:t>
-            </a:r>
-            <a:r>
-              <a:rPr lang="en-US" altLang="zh-CN" dirty="0" smtClean="0"/>
-              <a:t>Tomcat</a:t>
-            </a:r>
-            <a:r>
-              <a:rPr lang="zh-CN" altLang="en-US" dirty="0" smtClean="0"/>
-              <a:t>服务器下</a:t>
-            </a:r>
-            <a:endParaRPr lang="en-US" altLang="zh-CN" dirty="0" smtClean="0"/>
-          </a:p>
-          <a:p>
-            <a:r>
-              <a:rPr lang="zh-CN" altLang="en-US" dirty="0" smtClean="0"/>
-              <a:t>使用</a:t>
-            </a:r>
-            <a:r>
-              <a:rPr lang="en-US" altLang="zh-CN" dirty="0" err="1" smtClean="0"/>
-              <a:t>git</a:t>
-            </a:r>
-            <a:r>
-              <a:rPr lang="zh-CN" altLang="en-US" dirty="0" smtClean="0"/>
-              <a:t>管理代码版本</a:t>
-            </a:r>
-            <a:endParaRPr lang="en-US" altLang="zh-CN" dirty="0" smtClean="0"/>
-          </a:p>
-          <a:p>
-            <a:r>
-              <a:rPr lang="zh-CN" altLang="en-US" dirty="0" smtClean="0"/>
-              <a:t>使用</a:t>
-            </a:r>
-            <a:r>
-              <a:rPr lang="en-US" altLang="zh-CN" dirty="0" smtClean="0"/>
-              <a:t>eclipse</a:t>
-            </a:r>
-            <a:r>
-              <a:rPr lang="zh-CN" altLang="en-US" dirty="0" smtClean="0"/>
-              <a:t>作为</a:t>
-            </a:r>
-            <a:r>
-              <a:rPr lang="en-US" altLang="zh-CN" dirty="0" smtClean="0"/>
-              <a:t>IDE</a:t>
+              <a:t>层方法的复用</a:t>
             </a:r>
             <a:endParaRPr lang="zh-CN" altLang="en-US" dirty="0"/>
           </a:p>
         </p:txBody>
       </p:sp>
     </p:spTree>
+    <p:extLst>
+      <p:ext uri="{BB962C8B-B14F-4D97-AF65-F5344CB8AC3E}">
+        <p14:creationId xmlns:p14="http://schemas.microsoft.com/office/powerpoint/2010/main" val="3813096560"/>
+      </p:ext>
+    </p:extLst>
   </p:cSld>
   <p:clrMapOvr>
     <a:masterClrMapping/>
@@ -3600,12 +3610,14 @@
         </p:nvSpPr>
         <p:spPr/>
         <p:txBody>
-          <a:bodyPr/>
+          <a:bodyPr>
+            <a:normAutofit/>
+          </a:bodyPr>
           <a:lstStyle/>
           <a:p>
             <a:r>
               <a:rPr lang="zh-CN" altLang="en-US" dirty="0" smtClean="0"/>
-              <a:t>总结</a:t>
+              <a:t>开发平台介绍</a:t>
             </a:r>
             <a:endParaRPr lang="zh-CN" altLang="en-US" dirty="0"/>
           </a:p>
@@ -3628,21 +3640,83 @@
           <a:p>
             <a:r>
               <a:rPr lang="zh-CN" altLang="en-US" dirty="0" smtClean="0"/>
-              <a:t>优点：解决了实际问题</a:t>
+              <a:t>本系统基于</a:t>
+            </a:r>
+            <a:r>
+              <a:rPr lang="en-US" altLang="zh-CN" dirty="0" smtClean="0"/>
+              <a:t>Java Web</a:t>
+            </a:r>
+            <a:r>
+              <a:rPr lang="zh-CN" altLang="en-US" dirty="0" smtClean="0"/>
+              <a:t>平台开发</a:t>
             </a:r>
             <a:endParaRPr lang="en-US" altLang="zh-CN" dirty="0" smtClean="0"/>
           </a:p>
           <a:p>
             <a:r>
               <a:rPr lang="zh-CN" altLang="en-US" dirty="0" smtClean="0"/>
-              <a:t>缺点：界面不够美观</a:t>
+              <a:t>使用</a:t>
+            </a:r>
+            <a:r>
+              <a:rPr lang="en-US" altLang="zh-CN" dirty="0" smtClean="0"/>
+              <a:t>MySQL</a:t>
+            </a:r>
+            <a:r>
+              <a:rPr lang="zh-CN" altLang="en-US" dirty="0" smtClean="0"/>
+              <a:t>数据库存储数据</a:t>
             </a:r>
             <a:endParaRPr lang="en-US" altLang="zh-CN" dirty="0" smtClean="0"/>
           </a:p>
           <a:p>
             <a:r>
+              <a:rPr lang="zh-CN" altLang="en-US" dirty="0"/>
+              <a:t>运行</a:t>
+            </a:r>
+            <a:r>
               <a:rPr lang="zh-CN" altLang="en-US" dirty="0" smtClean="0"/>
-              <a:t>展望：未来水果批发的市场会更加庞大，希望能将该系统推广到市场中，方便更广大的人群</a:t>
+              <a:t>于</a:t>
+            </a:r>
+            <a:r>
+              <a:rPr lang="en-US" altLang="zh-CN" dirty="0" smtClean="0"/>
+              <a:t>Tomcat</a:t>
+            </a:r>
+            <a:r>
+              <a:rPr lang="zh-CN" altLang="en-US" dirty="0" smtClean="0"/>
+              <a:t>服务器下</a:t>
+            </a:r>
+            <a:endParaRPr lang="en-US" altLang="zh-CN" dirty="0" smtClean="0"/>
+          </a:p>
+          <a:p>
+            <a:r>
+              <a:rPr lang="zh-CN" altLang="en-US" dirty="0" smtClean="0"/>
+              <a:t>使用</a:t>
+            </a:r>
+            <a:r>
+              <a:rPr lang="en-US" altLang="zh-CN" dirty="0" err="1" smtClean="0"/>
+              <a:t>git</a:t>
+            </a:r>
+            <a:r>
+              <a:rPr lang="zh-CN" altLang="en-US" dirty="0" smtClean="0"/>
+              <a:t>管理代码版本</a:t>
+            </a:r>
+            <a:endParaRPr lang="en-US" altLang="zh-CN" dirty="0" smtClean="0"/>
+          </a:p>
+          <a:p>
+            <a:r>
+              <a:rPr lang="zh-CN" altLang="en-US" dirty="0" smtClean="0"/>
+              <a:t>使用</a:t>
+            </a:r>
+            <a:r>
+              <a:rPr lang="en-US" altLang="zh-CN" dirty="0" smtClean="0"/>
+              <a:t>eclipse</a:t>
+            </a:r>
+            <a:r>
+              <a:rPr lang="zh-CN" altLang="en-US" dirty="0" smtClean="0"/>
+              <a:t>作为</a:t>
+            </a:r>
+            <a:r>
+              <a:rPr lang="en-US" altLang="zh-CN" dirty="0" smtClean="0"/>
+              <a:t>IDE</a:t>
             </a:r>
             <a:endParaRPr lang="zh-CN" altLang="en-US" dirty="0"/>
           </a:p>
@@ -3657,6 +3731,91 @@
 </file>
 
 <file path=ppt/slides/slide6.xml><?xml version="1.0" encoding="utf-8"?>
+<p:sld xmlns:a="http://schemas.openxmlformats.org/drawingml/2006/main" xmlns:r="http://schemas.openxmlformats.org/officeDocument/2006/relationships" xmlns:p="http://schemas.openxmlformats.org/presentationml/2006/main">
+  <p:cSld>
+    <p:spTree>
+      <p:nvGrpSpPr>
+        <p:cNvPr id="1" name=""/>
+        <p:cNvGrpSpPr/>
+        <p:nvPr/>
+      </p:nvGrpSpPr>
+      <p:grpSpPr>
+        <a:xfrm>
+          <a:off x="0" y="0"/>
+          <a:ext cx="0" cy="0"/>
+          <a:chOff x="0" y="0"/>
+          <a:chExt cx="0" cy="0"/>
+        </a:xfrm>
+      </p:grpSpPr>
+      <p:sp>
+        <p:nvSpPr>
+          <p:cNvPr id="2" name="标题 1"/>
+          <p:cNvSpPr>
+            <a:spLocks noGrp="1"/>
+          </p:cNvSpPr>
+          <p:nvPr>
+            <p:ph type="title"/>
+          </p:nvPr>
+        </p:nvSpPr>
+        <p:spPr/>
+        <p:txBody>
+          <a:bodyPr/>
+          <a:lstStyle/>
+          <a:p>
+            <a:r>
+              <a:rPr lang="zh-CN" altLang="en-US" dirty="0" smtClean="0"/>
+              <a:t>总结</a:t>
+            </a:r>
+            <a:endParaRPr lang="zh-CN" altLang="en-US" dirty="0"/>
+          </a:p>
+        </p:txBody>
+      </p:sp>
+      <p:sp>
+        <p:nvSpPr>
+          <p:cNvPr id="3" name="内容占位符 2"/>
+          <p:cNvSpPr>
+            <a:spLocks noGrp="1"/>
+          </p:cNvSpPr>
+          <p:nvPr>
+            <p:ph idx="1"/>
+          </p:nvPr>
+        </p:nvSpPr>
+        <p:spPr/>
+        <p:txBody>
+          <a:bodyPr/>
+          <a:lstStyle/>
+          <a:p>
+            <a:r>
+              <a:rPr lang="zh-CN" altLang="en-US" dirty="0" smtClean="0"/>
+              <a:t>优点：解决了实际问题</a:t>
+            </a:r>
+            <a:endParaRPr lang="en-US" altLang="zh-CN" dirty="0" smtClean="0"/>
+          </a:p>
+          <a:p>
+            <a:r>
+              <a:rPr lang="zh-CN" altLang="en-US" dirty="0" smtClean="0"/>
+              <a:t>缺点：界面不够美观</a:t>
+            </a:r>
+            <a:endParaRPr lang="en-US" altLang="zh-CN" dirty="0" smtClean="0"/>
+          </a:p>
+          <a:p>
+            <a:r>
+              <a:rPr lang="zh-CN" altLang="en-US" dirty="0" smtClean="0"/>
+              <a:t>展望：未来水果批发的市场会更加庞大，希望能将该系统推广到市场中，方便更广大的人群</a:t>
+            </a:r>
+            <a:endParaRPr lang="zh-CN" altLang="en-US" dirty="0"/>
+          </a:p>
+        </p:txBody>
+      </p:sp>
+    </p:spTree>
+  </p:cSld>
+  <p:clrMapOvr>
+    <a:masterClrMapping/>
+  </p:clrMapOvr>
+</p:sld>
+</file>
+
+<file path=ppt/slides/slide7.xml><?xml version="1.0" encoding="utf-8"?>
 <p:sld xmlns:a="http://schemas.openxmlformats.org/drawingml/2006/main" xmlns:r="http://schemas.openxmlformats.org/officeDocument/2006/relationships" xmlns:p="http://schemas.openxmlformats.org/presentationml/2006/main">
   <p:cSld>
     <p:spTree>
@@ -4030,7 +4189,7 @@
   <a:extraClrSchemeLst/>
   <a:extLst>
     <a:ext uri="{05A4C25C-085E-4340-85A3-A5531E510DB2}">
-      <thm15:themeFamily xmlns:thm15="http://schemas.microsoft.com/office/thememl/2012/main" name="Office Theme" id="{62F939B6-93AF-4DB8-9C6B-D6C7DFDC589F}" vid="{4A3C46E8-61CC-4603-A589-7422A47A8E4A}"/>
+      <thm15:themeFamily xmlns:thm15="http://schemas.microsoft.com/office/thememl/2012/main" xmlns="" name="Office Theme" id="{62F939B6-93AF-4DB8-9C6B-D6C7DFDC589F}" vid="{4A3C46E8-61CC-4603-A589-7422A47A8E4A}"/>
     </a:ext>
   </a:extLst>
 </a:theme>

--- a/12241078兰登科_毕业论文答辩PPT.pptx
+++ b/12241078兰登科_毕业论文答辩PPT.pptx
@@ -5,13 +5,13 @@
     <p:sldMasterId id="2147483648" r:id="rId1"/>
   </p:sldMasterIdLst>
   <p:sldIdLst>
-    <p:sldId id="256" r:id="rId2"/>
-    <p:sldId id="257" r:id="rId3"/>
-    <p:sldId id="258" r:id="rId4"/>
-    <p:sldId id="262" r:id="rId5"/>
-    <p:sldId id="259" r:id="rId6"/>
-    <p:sldId id="260" r:id="rId7"/>
-    <p:sldId id="261" r:id="rId8"/>
+    <p:sldId id="256" r:id="rId3"/>
+    <p:sldId id="257" r:id="rId4"/>
+    <p:sldId id="258" r:id="rId5"/>
+    <p:sldId id="262" r:id="rId6"/>
+    <p:sldId id="259" r:id="rId7"/>
+    <p:sldId id="260" r:id="rId8"/>
+    <p:sldId id="261" r:id="rId9"/>
   </p:sldIdLst>
   <p:sldSz cx="9144000" cy="6858000" type="screen4x3"/>
   <p:notesSz cx="6858000" cy="9144000"/>
@@ -300,7 +300,6 @@
           <a:p>
             <a:fld id="{530820CF-B880-4189-942D-D702A7CBA730}" type="datetimeFigureOut">
               <a:rPr lang="zh-CN" altLang="en-US" smtClean="0"/>
-              <a:t>2016/5/12</a:t>
             </a:fld>
             <a:endParaRPr lang="zh-CN" altLang="en-US"/>
           </a:p>
@@ -342,7 +341,6 @@
           <a:p>
             <a:fld id="{0C913308-F349-4B6D-A68A-DD1791B4A57B}" type="slidenum">
               <a:rPr lang="zh-CN" altLang="en-US" smtClean="0"/>
-              <a:t>‹#›</a:t>
             </a:fld>
             <a:endParaRPr lang="zh-CN" altLang="en-US"/>
           </a:p>
@@ -416,6 +414,7 @@
               <a:rPr lang="zh-CN" altLang="en-US" smtClean="0"/>
               <a:t>单击此处编辑母版文本样式</a:t>
             </a:r>
+            <a:endParaRPr lang="zh-CN" altLang="en-US" smtClean="0"/>
           </a:p>
           <a:p>
             <a:pPr lvl="1"/>
@@ -423,6 +422,7 @@
               <a:rPr lang="zh-CN" altLang="en-US" smtClean="0"/>
               <a:t>第二级</a:t>
             </a:r>
+            <a:endParaRPr lang="zh-CN" altLang="en-US" smtClean="0"/>
           </a:p>
           <a:p>
             <a:pPr lvl="2"/>
@@ -430,6 +430,7 @@
               <a:rPr lang="zh-CN" altLang="en-US" smtClean="0"/>
               <a:t>第三级</a:t>
             </a:r>
+            <a:endParaRPr lang="zh-CN" altLang="en-US" smtClean="0"/>
           </a:p>
           <a:p>
             <a:pPr lvl="3"/>
@@ -437,6 +438,7 @@
               <a:rPr lang="zh-CN" altLang="en-US" smtClean="0"/>
               <a:t>第四级</a:t>
             </a:r>
+            <a:endParaRPr lang="zh-CN" altLang="en-US" smtClean="0"/>
           </a:p>
           <a:p>
             <a:pPr lvl="4"/>
@@ -465,7 +467,6 @@
           <a:p>
             <a:fld id="{530820CF-B880-4189-942D-D702A7CBA730}" type="datetimeFigureOut">
               <a:rPr lang="zh-CN" altLang="en-US" smtClean="0"/>
-              <a:t>2016/5/12</a:t>
             </a:fld>
             <a:endParaRPr lang="zh-CN" altLang="en-US"/>
           </a:p>
@@ -507,7 +508,6 @@
           <a:p>
             <a:fld id="{0C913308-F349-4B6D-A68A-DD1791B4A57B}" type="slidenum">
               <a:rPr lang="zh-CN" altLang="en-US" smtClean="0"/>
-              <a:t>‹#›</a:t>
             </a:fld>
             <a:endParaRPr lang="zh-CN" altLang="en-US"/>
           </a:p>
@@ -591,6 +591,7 @@
               <a:rPr lang="zh-CN" altLang="en-US" smtClean="0"/>
               <a:t>单击此处编辑母版文本样式</a:t>
             </a:r>
+            <a:endParaRPr lang="zh-CN" altLang="en-US" smtClean="0"/>
           </a:p>
           <a:p>
             <a:pPr lvl="1"/>
@@ -598,6 +599,7 @@
               <a:rPr lang="zh-CN" altLang="en-US" smtClean="0"/>
               <a:t>第二级</a:t>
             </a:r>
+            <a:endParaRPr lang="zh-CN" altLang="en-US" smtClean="0"/>
           </a:p>
           <a:p>
             <a:pPr lvl="2"/>
@@ -605,6 +607,7 @@
               <a:rPr lang="zh-CN" altLang="en-US" smtClean="0"/>
               <a:t>第三级</a:t>
             </a:r>
+            <a:endParaRPr lang="zh-CN" altLang="en-US" smtClean="0"/>
           </a:p>
           <a:p>
             <a:pPr lvl="3"/>
@@ -612,6 +615,7 @@
               <a:rPr lang="zh-CN" altLang="en-US" smtClean="0"/>
               <a:t>第四级</a:t>
             </a:r>
+            <a:endParaRPr lang="zh-CN" altLang="en-US" smtClean="0"/>
           </a:p>
           <a:p>
             <a:pPr lvl="4"/>
@@ -640,7 +644,6 @@
           <a:p>
             <a:fld id="{530820CF-B880-4189-942D-D702A7CBA730}" type="datetimeFigureOut">
               <a:rPr lang="zh-CN" altLang="en-US" smtClean="0"/>
-              <a:t>2016/5/12</a:t>
             </a:fld>
             <a:endParaRPr lang="zh-CN" altLang="en-US"/>
           </a:p>
@@ -682,7 +685,6 @@
           <a:p>
             <a:fld id="{0C913308-F349-4B6D-A68A-DD1791B4A57B}" type="slidenum">
               <a:rPr lang="zh-CN" altLang="en-US" smtClean="0"/>
-              <a:t>‹#›</a:t>
             </a:fld>
             <a:endParaRPr lang="zh-CN" altLang="en-US"/>
           </a:p>
@@ -756,6 +758,7 @@
               <a:rPr lang="zh-CN" altLang="en-US" smtClean="0"/>
               <a:t>单击此处编辑母版文本样式</a:t>
             </a:r>
+            <a:endParaRPr lang="zh-CN" altLang="en-US" smtClean="0"/>
           </a:p>
           <a:p>
             <a:pPr lvl="1"/>
@@ -763,6 +766,7 @@
               <a:rPr lang="zh-CN" altLang="en-US" smtClean="0"/>
               <a:t>第二级</a:t>
             </a:r>
+            <a:endParaRPr lang="zh-CN" altLang="en-US" smtClean="0"/>
           </a:p>
           <a:p>
             <a:pPr lvl="2"/>
@@ -770,6 +774,7 @@
               <a:rPr lang="zh-CN" altLang="en-US" smtClean="0"/>
               <a:t>第三级</a:t>
             </a:r>
+            <a:endParaRPr lang="zh-CN" altLang="en-US" smtClean="0"/>
           </a:p>
           <a:p>
             <a:pPr lvl="3"/>
@@ -777,6 +782,7 @@
               <a:rPr lang="zh-CN" altLang="en-US" smtClean="0"/>
               <a:t>第四级</a:t>
             </a:r>
+            <a:endParaRPr lang="zh-CN" altLang="en-US" smtClean="0"/>
           </a:p>
           <a:p>
             <a:pPr lvl="4"/>
@@ -805,7 +811,6 @@
           <a:p>
             <a:fld id="{530820CF-B880-4189-942D-D702A7CBA730}" type="datetimeFigureOut">
               <a:rPr lang="zh-CN" altLang="en-US" smtClean="0"/>
-              <a:t>2016/5/12</a:t>
             </a:fld>
             <a:endParaRPr lang="zh-CN" altLang="en-US"/>
           </a:p>
@@ -847,7 +852,6 @@
           <a:p>
             <a:fld id="{0C913308-F349-4B6D-A68A-DD1791B4A57B}" type="slidenum">
               <a:rPr lang="zh-CN" altLang="en-US" smtClean="0"/>
-              <a:t>‹#›</a:t>
             </a:fld>
             <a:endParaRPr lang="zh-CN" altLang="en-US"/>
           </a:p>
@@ -1026,6 +1030,7 @@
               <a:rPr lang="zh-CN" altLang="en-US" smtClean="0"/>
               <a:t>单击此处编辑母版文本样式</a:t>
             </a:r>
+            <a:endParaRPr lang="zh-CN" altLang="en-US" smtClean="0"/>
           </a:p>
         </p:txBody>
       </p:sp>
@@ -1046,7 +1051,6 @@
           <a:p>
             <a:fld id="{530820CF-B880-4189-942D-D702A7CBA730}" type="datetimeFigureOut">
               <a:rPr lang="zh-CN" altLang="en-US" smtClean="0"/>
-              <a:t>2016/5/12</a:t>
             </a:fld>
             <a:endParaRPr lang="zh-CN" altLang="en-US"/>
           </a:p>
@@ -1088,7 +1092,6 @@
           <a:p>
             <a:fld id="{0C913308-F349-4B6D-A68A-DD1791B4A57B}" type="slidenum">
               <a:rPr lang="zh-CN" altLang="en-US" smtClean="0"/>
-              <a:t>‹#›</a:t>
             </a:fld>
             <a:endParaRPr lang="zh-CN" altLang="en-US"/>
           </a:p>
@@ -1195,6 +1198,7 @@
               <a:rPr lang="zh-CN" altLang="en-US" smtClean="0"/>
               <a:t>单击此处编辑母版文本样式</a:t>
             </a:r>
+            <a:endParaRPr lang="zh-CN" altLang="en-US" smtClean="0"/>
           </a:p>
           <a:p>
             <a:pPr lvl="1"/>
@@ -1202,6 +1206,7 @@
               <a:rPr lang="zh-CN" altLang="en-US" smtClean="0"/>
               <a:t>第二级</a:t>
             </a:r>
+            <a:endParaRPr lang="zh-CN" altLang="en-US" smtClean="0"/>
           </a:p>
           <a:p>
             <a:pPr lvl="2"/>
@@ -1209,6 +1214,7 @@
               <a:rPr lang="zh-CN" altLang="en-US" smtClean="0"/>
               <a:t>第三级</a:t>
             </a:r>
+            <a:endParaRPr lang="zh-CN" altLang="en-US" smtClean="0"/>
           </a:p>
           <a:p>
             <a:pPr lvl="3"/>
@@ -1216,6 +1222,7 @@
               <a:rPr lang="zh-CN" altLang="en-US" smtClean="0"/>
               <a:t>第四级</a:t>
             </a:r>
+            <a:endParaRPr lang="zh-CN" altLang="en-US" smtClean="0"/>
           </a:p>
           <a:p>
             <a:pPr lvl="4"/>
@@ -1280,6 +1287,7 @@
               <a:rPr lang="zh-CN" altLang="en-US" smtClean="0"/>
               <a:t>单击此处编辑母版文本样式</a:t>
             </a:r>
+            <a:endParaRPr lang="zh-CN" altLang="en-US" smtClean="0"/>
           </a:p>
           <a:p>
             <a:pPr lvl="1"/>
@@ -1287,6 +1295,7 @@
               <a:rPr lang="zh-CN" altLang="en-US" smtClean="0"/>
               <a:t>第二级</a:t>
             </a:r>
+            <a:endParaRPr lang="zh-CN" altLang="en-US" smtClean="0"/>
           </a:p>
           <a:p>
             <a:pPr lvl="2"/>
@@ -1294,6 +1303,7 @@
               <a:rPr lang="zh-CN" altLang="en-US" smtClean="0"/>
               <a:t>第三级</a:t>
             </a:r>
+            <a:endParaRPr lang="zh-CN" altLang="en-US" smtClean="0"/>
           </a:p>
           <a:p>
             <a:pPr lvl="3"/>
@@ -1301,6 +1311,7 @@
               <a:rPr lang="zh-CN" altLang="en-US" smtClean="0"/>
               <a:t>第四级</a:t>
             </a:r>
+            <a:endParaRPr lang="zh-CN" altLang="en-US" smtClean="0"/>
           </a:p>
           <a:p>
             <a:pPr lvl="4"/>
@@ -1329,7 +1340,6 @@
           <a:p>
             <a:fld id="{530820CF-B880-4189-942D-D702A7CBA730}" type="datetimeFigureOut">
               <a:rPr lang="zh-CN" altLang="en-US" smtClean="0"/>
-              <a:t>2016/5/12</a:t>
             </a:fld>
             <a:endParaRPr lang="zh-CN" altLang="en-US"/>
           </a:p>
@@ -1371,7 +1381,6 @@
           <a:p>
             <a:fld id="{0C913308-F349-4B6D-A68A-DD1791B4A57B}" type="slidenum">
               <a:rPr lang="zh-CN" altLang="en-US" smtClean="0"/>
-              <a:t>‹#›</a:t>
             </a:fld>
             <a:endParaRPr lang="zh-CN" altLang="en-US"/>
           </a:p>
@@ -1491,6 +1500,7 @@
               <a:rPr lang="zh-CN" altLang="en-US" smtClean="0"/>
               <a:t>单击此处编辑母版文本样式</a:t>
             </a:r>
+            <a:endParaRPr lang="zh-CN" altLang="en-US" smtClean="0"/>
           </a:p>
         </p:txBody>
       </p:sp>
@@ -1547,6 +1557,7 @@
               <a:rPr lang="zh-CN" altLang="en-US" smtClean="0"/>
               <a:t>单击此处编辑母版文本样式</a:t>
             </a:r>
+            <a:endParaRPr lang="zh-CN" altLang="en-US" smtClean="0"/>
           </a:p>
           <a:p>
             <a:pPr lvl="1"/>
@@ -1554,6 +1565,7 @@
               <a:rPr lang="zh-CN" altLang="en-US" smtClean="0"/>
               <a:t>第二级</a:t>
             </a:r>
+            <a:endParaRPr lang="zh-CN" altLang="en-US" smtClean="0"/>
           </a:p>
           <a:p>
             <a:pPr lvl="2"/>
@@ -1561,6 +1573,7 @@
               <a:rPr lang="zh-CN" altLang="en-US" smtClean="0"/>
               <a:t>第三级</a:t>
             </a:r>
+            <a:endParaRPr lang="zh-CN" altLang="en-US" smtClean="0"/>
           </a:p>
           <a:p>
             <a:pPr lvl="3"/>
@@ -1568,6 +1581,7 @@
               <a:rPr lang="zh-CN" altLang="en-US" smtClean="0"/>
               <a:t>第四级</a:t>
             </a:r>
+            <a:endParaRPr lang="zh-CN" altLang="en-US" smtClean="0"/>
           </a:p>
           <a:p>
             <a:pPr lvl="4"/>
@@ -1641,6 +1655,7 @@
               <a:rPr lang="zh-CN" altLang="en-US" smtClean="0"/>
               <a:t>单击此处编辑母版文本样式</a:t>
             </a:r>
+            <a:endParaRPr lang="zh-CN" altLang="en-US" smtClean="0"/>
           </a:p>
         </p:txBody>
       </p:sp>
@@ -1697,6 +1712,7 @@
               <a:rPr lang="zh-CN" altLang="en-US" smtClean="0"/>
               <a:t>单击此处编辑母版文本样式</a:t>
             </a:r>
+            <a:endParaRPr lang="zh-CN" altLang="en-US" smtClean="0"/>
           </a:p>
           <a:p>
             <a:pPr lvl="1"/>
@@ -1704,6 +1720,7 @@
               <a:rPr lang="zh-CN" altLang="en-US" smtClean="0"/>
               <a:t>第二级</a:t>
             </a:r>
+            <a:endParaRPr lang="zh-CN" altLang="en-US" smtClean="0"/>
           </a:p>
           <a:p>
             <a:pPr lvl="2"/>
@@ -1711,6 +1728,7 @@
               <a:rPr lang="zh-CN" altLang="en-US" smtClean="0"/>
               <a:t>第三级</a:t>
             </a:r>
+            <a:endParaRPr lang="zh-CN" altLang="en-US" smtClean="0"/>
           </a:p>
           <a:p>
             <a:pPr lvl="3"/>
@@ -1718,6 +1736,7 @@
               <a:rPr lang="zh-CN" altLang="en-US" smtClean="0"/>
               <a:t>第四级</a:t>
             </a:r>
+            <a:endParaRPr lang="zh-CN" altLang="en-US" smtClean="0"/>
           </a:p>
           <a:p>
             <a:pPr lvl="4"/>
@@ -1746,7 +1765,6 @@
           <a:p>
             <a:fld id="{530820CF-B880-4189-942D-D702A7CBA730}" type="datetimeFigureOut">
               <a:rPr lang="zh-CN" altLang="en-US" smtClean="0"/>
-              <a:t>2016/5/12</a:t>
             </a:fld>
             <a:endParaRPr lang="zh-CN" altLang="en-US"/>
           </a:p>
@@ -1788,7 +1806,6 @@
           <a:p>
             <a:fld id="{0C913308-F349-4B6D-A68A-DD1791B4A57B}" type="slidenum">
               <a:rPr lang="zh-CN" altLang="en-US" smtClean="0"/>
-              <a:t>‹#›</a:t>
             </a:fld>
             <a:endParaRPr lang="zh-CN" altLang="en-US"/>
           </a:p>
@@ -1859,7 +1876,6 @@
           <a:p>
             <a:fld id="{530820CF-B880-4189-942D-D702A7CBA730}" type="datetimeFigureOut">
               <a:rPr lang="zh-CN" altLang="en-US" smtClean="0"/>
-              <a:t>2016/5/12</a:t>
             </a:fld>
             <a:endParaRPr lang="zh-CN" altLang="en-US"/>
           </a:p>
@@ -1901,7 +1917,6 @@
           <a:p>
             <a:fld id="{0C913308-F349-4B6D-A68A-DD1791B4A57B}" type="slidenum">
               <a:rPr lang="zh-CN" altLang="en-US" smtClean="0"/>
-              <a:t>‹#›</a:t>
             </a:fld>
             <a:endParaRPr lang="zh-CN" altLang="en-US"/>
           </a:p>
@@ -1949,7 +1964,6 @@
           <a:p>
             <a:fld id="{530820CF-B880-4189-942D-D702A7CBA730}" type="datetimeFigureOut">
               <a:rPr lang="zh-CN" altLang="en-US" smtClean="0"/>
-              <a:t>2016/5/12</a:t>
             </a:fld>
             <a:endParaRPr lang="zh-CN" altLang="en-US"/>
           </a:p>
@@ -1991,7 +2005,6 @@
           <a:p>
             <a:fld id="{0C913308-F349-4B6D-A68A-DD1791B4A57B}" type="slidenum">
               <a:rPr lang="zh-CN" altLang="en-US" smtClean="0"/>
-              <a:t>‹#›</a:t>
             </a:fld>
             <a:endParaRPr lang="zh-CN" altLang="en-US"/>
           </a:p>
@@ -2107,6 +2120,7 @@
               <a:rPr lang="zh-CN" altLang="en-US" smtClean="0"/>
               <a:t>单击此处编辑母版文本样式</a:t>
             </a:r>
+            <a:endParaRPr lang="zh-CN" altLang="en-US" smtClean="0"/>
           </a:p>
           <a:p>
             <a:pPr lvl="1"/>
@@ -2114,6 +2128,7 @@
               <a:rPr lang="zh-CN" altLang="en-US" smtClean="0"/>
               <a:t>第二级</a:t>
             </a:r>
+            <a:endParaRPr lang="zh-CN" altLang="en-US" smtClean="0"/>
           </a:p>
           <a:p>
             <a:pPr lvl="2"/>
@@ -2121,6 +2136,7 @@
               <a:rPr lang="zh-CN" altLang="en-US" smtClean="0"/>
               <a:t>第三级</a:t>
             </a:r>
+            <a:endParaRPr lang="zh-CN" altLang="en-US" smtClean="0"/>
           </a:p>
           <a:p>
             <a:pPr lvl="3"/>
@@ -2128,6 +2144,7 @@
               <a:rPr lang="zh-CN" altLang="en-US" smtClean="0"/>
               <a:t>第四级</a:t>
             </a:r>
+            <a:endParaRPr lang="zh-CN" altLang="en-US" smtClean="0"/>
           </a:p>
           <a:p>
             <a:pPr lvl="4"/>
@@ -2201,6 +2218,7 @@
               <a:rPr lang="zh-CN" altLang="en-US" smtClean="0"/>
               <a:t>单击此处编辑母版文本样式</a:t>
             </a:r>
+            <a:endParaRPr lang="zh-CN" altLang="en-US" smtClean="0"/>
           </a:p>
         </p:txBody>
       </p:sp>
@@ -2221,7 +2239,6 @@
           <a:p>
             <a:fld id="{530820CF-B880-4189-942D-D702A7CBA730}" type="datetimeFigureOut">
               <a:rPr lang="zh-CN" altLang="en-US" smtClean="0"/>
-              <a:t>2016/5/12</a:t>
             </a:fld>
             <a:endParaRPr lang="zh-CN" altLang="en-US"/>
           </a:p>
@@ -2263,7 +2280,6 @@
           <a:p>
             <a:fld id="{0C913308-F349-4B6D-A68A-DD1791B4A57B}" type="slidenum">
               <a:rPr lang="zh-CN" altLang="en-US" smtClean="0"/>
-              <a:t>‹#›</a:t>
             </a:fld>
             <a:endParaRPr lang="zh-CN" altLang="en-US"/>
           </a:p>
@@ -2449,6 +2465,7 @@
               <a:rPr lang="zh-CN" altLang="en-US" smtClean="0"/>
               <a:t>单击此处编辑母版文本样式</a:t>
             </a:r>
+            <a:endParaRPr lang="zh-CN" altLang="en-US" smtClean="0"/>
           </a:p>
         </p:txBody>
       </p:sp>
@@ -2469,7 +2486,6 @@
           <a:p>
             <a:fld id="{530820CF-B880-4189-942D-D702A7CBA730}" type="datetimeFigureOut">
               <a:rPr lang="zh-CN" altLang="en-US" smtClean="0"/>
-              <a:t>2016/5/12</a:t>
             </a:fld>
             <a:endParaRPr lang="zh-CN" altLang="en-US"/>
           </a:p>
@@ -2511,7 +2527,6 @@
           <a:p>
             <a:fld id="{0C913308-F349-4B6D-A68A-DD1791B4A57B}" type="slidenum">
               <a:rPr lang="zh-CN" altLang="en-US" smtClean="0"/>
-              <a:t>‹#›</a:t>
             </a:fld>
             <a:endParaRPr lang="zh-CN" altLang="en-US"/>
           </a:p>
@@ -2610,6 +2625,7 @@
               <a:rPr lang="zh-CN" altLang="en-US" smtClean="0"/>
               <a:t>单击此处编辑母版文本样式</a:t>
             </a:r>
+            <a:endParaRPr lang="zh-CN" altLang="en-US" smtClean="0"/>
           </a:p>
           <a:p>
             <a:pPr lvl="1"/>
@@ -2617,6 +2633,7 @@
               <a:rPr lang="zh-CN" altLang="en-US" smtClean="0"/>
               <a:t>第二级</a:t>
             </a:r>
+            <a:endParaRPr lang="zh-CN" altLang="en-US" smtClean="0"/>
           </a:p>
           <a:p>
             <a:pPr lvl="2"/>
@@ -2624,6 +2641,7 @@
               <a:rPr lang="zh-CN" altLang="en-US" smtClean="0"/>
               <a:t>第三级</a:t>
             </a:r>
+            <a:endParaRPr lang="zh-CN" altLang="en-US" smtClean="0"/>
           </a:p>
           <a:p>
             <a:pPr lvl="3"/>
@@ -2631,6 +2649,7 @@
               <a:rPr lang="zh-CN" altLang="en-US" smtClean="0"/>
               <a:t>第四级</a:t>
             </a:r>
+            <a:endParaRPr lang="zh-CN" altLang="en-US" smtClean="0"/>
           </a:p>
           <a:p>
             <a:pPr lvl="4"/>
@@ -2677,7 +2696,6 @@
           <a:p>
             <a:fld id="{530820CF-B880-4189-942D-D702A7CBA730}" type="datetimeFigureOut">
               <a:rPr lang="zh-CN" altLang="en-US" smtClean="0"/>
-              <a:t>2016/5/12</a:t>
             </a:fld>
             <a:endParaRPr lang="zh-CN" altLang="en-US"/>
           </a:p>
@@ -2755,7 +2773,6 @@
           <a:p>
             <a:fld id="{0C913308-F349-4B6D-A68A-DD1791B4A57B}" type="slidenum">
               <a:rPr lang="zh-CN" altLang="en-US" smtClean="0"/>
-              <a:t>‹#›</a:t>
             </a:fld>
             <a:endParaRPr lang="zh-CN" altLang="en-US"/>
           </a:p>
@@ -3337,19 +3354,19 @@
           <p:nvPr/>
         </p:nvGraphicFramePr>
         <p:xfrm>
-          <a:off x="2555776" y="1628800"/>
-          <a:ext cx="4505325" cy="3943350"/>
+          <a:off x="1979295" y="1484630"/>
+          <a:ext cx="5209540" cy="4559935"/>
         </p:xfrm>
         <a:graphic>
           <a:graphicData uri="http://schemas.openxmlformats.org/presentationml/2006/ole">
             <mc:AlternateContent xmlns:mc="http://schemas.openxmlformats.org/markup-compatibility/2006">
               <mc:Choice xmlns:v="urn:schemas-microsoft-com:vml" Requires="v">
-                <p:oleObj spid="_x0000_s1039" name="Visio" r:id="rId3" imgW="6019800" imgH="5270500" progId="Visio.Drawing.11">
+                <p:oleObj spid="_x0000_s1039" name="Visio" r:id="rId1" imgW="6019800" imgH="5270500" progId="Visio.Drawing.11">
                   <p:embed/>
                 </p:oleObj>
               </mc:Choice>
               <mc:Fallback>
-                <p:oleObj name="Visio" r:id="rId3" imgW="6019800" imgH="5270500" progId="Visio.Drawing.11">
+                <p:oleObj name="Visio" r:id="rId1" imgW="6019800" imgH="5270500" progId="Visio.Drawing.11">
                   <p:embed/>
                   <p:pic>
                     <p:nvPicPr>
@@ -3360,7 +3377,7 @@
                       <p:nvPr/>
                     </p:nvPicPr>
                     <p:blipFill>
-                      <a:blip r:embed="rId4">
+                      <a:blip r:embed="rId2">
                         <a:extLst>
                           <a:ext uri="{28A0092B-C50C-407E-A947-70E740481C1C}">
                             <a14:useLocalDpi xmlns:a14="http://schemas.microsoft.com/office/drawing/2010/main" val="0"/>
@@ -3374,8 +3391,8 @@
                     </p:blipFill>
                     <p:spPr bwMode="auto">
                       <a:xfrm>
-                        <a:off x="2555776" y="1628800"/>
-                        <a:ext cx="4505325" cy="3943350"/>
+                        <a:off x="1979295" y="1484630"/>
+                        <a:ext cx="5209540" cy="4559935"/>
                       </a:xfrm>
                       <a:prstGeom prst="rect">
                         <a:avLst/>
@@ -3439,141 +3456,108 @@
           <a:lstStyle/>
           <a:p>
             <a:r>
+              <a:rPr lang="zh-CN" altLang="en-US" dirty="0"/>
+              <a:t>系统的特点</a:t>
+            </a:r>
+            <a:endParaRPr lang="zh-CN" altLang="en-US" dirty="0"/>
+          </a:p>
+        </p:txBody>
+      </p:sp>
+      <p:sp>
+        <p:nvSpPr>
+          <p:cNvPr id="3" name="内容占位符 2"/>
+          <p:cNvSpPr>
+            <a:spLocks noGrp="1"/>
+          </p:cNvSpPr>
+          <p:nvPr>
+            <p:ph idx="1"/>
+          </p:nvPr>
+        </p:nvSpPr>
+        <p:spPr/>
+        <p:txBody>
+          <a:bodyPr/>
+          <a:lstStyle/>
+          <a:p>
+            <a:r>
               <a:rPr lang="zh-CN" altLang="en-US" dirty="0" smtClean="0"/>
-              <a:t>实现的功能</a:t>
+              <a:t>前后端交互</a:t>
+            </a:r>
+            <a:r>
+              <a:rPr lang="zh-CN" altLang="en-US" dirty="0" smtClean="0">
+                <a:sym typeface="+mn-ea"/>
+              </a:rPr>
+              <a:t>使用</a:t>
+            </a:r>
+            <a:r>
+              <a:rPr lang="en-US" altLang="zh-CN" dirty="0" smtClean="0">
+                <a:sym typeface="+mn-ea"/>
+              </a:rPr>
+              <a:t>Ajax</a:t>
+            </a:r>
+            <a:r>
+              <a:rPr lang="zh-CN" altLang="en-US" dirty="0" smtClean="0">
+                <a:sym typeface="+mn-ea"/>
+              </a:rPr>
+              <a:t>，</a:t>
+            </a:r>
+            <a:r>
+              <a:rPr lang="zh-CN" altLang="en-US" dirty="0" smtClean="0"/>
+              <a:t>数据格式使用</a:t>
+            </a:r>
+            <a:r>
+              <a:rPr lang="en-US" altLang="zh-CN" dirty="0" smtClean="0"/>
+              <a:t>Json</a:t>
+            </a:r>
+            <a:endParaRPr lang="en-US" altLang="zh-CN" dirty="0" smtClean="0"/>
+          </a:p>
+          <a:p>
+            <a:r>
+              <a:rPr lang="zh-CN" altLang="en-US" dirty="0" smtClean="0"/>
+              <a:t>使用</a:t>
+            </a:r>
+            <a:r>
+              <a:rPr lang="en-US" altLang="zh-CN" dirty="0" smtClean="0"/>
+              <a:t>redis</a:t>
+            </a:r>
+            <a:r>
+              <a:rPr lang="zh-CN" altLang="en-US" dirty="0" smtClean="0"/>
+              <a:t>存放</a:t>
+            </a:r>
+            <a:r>
+              <a:rPr lang="en-US" altLang="zh-CN" dirty="0" smtClean="0"/>
+              <a:t>session</a:t>
+            </a:r>
+            <a:r>
+              <a:rPr lang="zh-CN" altLang="en-US" dirty="0" smtClean="0"/>
+              <a:t>信息</a:t>
+            </a:r>
+            <a:endParaRPr lang="zh-CN" altLang="en-US" dirty="0" smtClean="0"/>
+          </a:p>
+          <a:p>
+            <a:r>
+              <a:rPr lang="en-US" altLang="zh-CN" dirty="0"/>
+              <a:t>Dao</a:t>
+            </a:r>
+            <a:r>
+              <a:rPr lang="zh-CN" altLang="en-US" dirty="0"/>
+              <a:t>层类都继承了</a:t>
+            </a:r>
+            <a:r>
+              <a:rPr lang="en-US" altLang="zh-CN" dirty="0"/>
+              <a:t>BaseDao</a:t>
+            </a:r>
+            <a:r>
+              <a:rPr lang="zh-CN" altLang="en-US" dirty="0"/>
+              <a:t>，重用了操作数据库的方法</a:t>
             </a:r>
             <a:endParaRPr lang="zh-CN" altLang="en-US" dirty="0"/>
           </a:p>
-        </p:txBody>
-      </p:sp>
-      <p:sp>
-        <p:nvSpPr>
-          <p:cNvPr id="3" name="内容占位符 2"/>
-          <p:cNvSpPr>
-            <a:spLocks noGrp="1"/>
-          </p:cNvSpPr>
-          <p:nvPr>
-            <p:ph idx="1"/>
-          </p:nvPr>
-        </p:nvSpPr>
-        <p:spPr/>
-        <p:txBody>
-          <a:bodyPr/>
-          <a:lstStyle/>
-          <a:p>
-            <a:r>
-              <a:rPr lang="zh-CN" altLang="en-US" dirty="0" smtClean="0"/>
-              <a:t>前端传到后端的</a:t>
-            </a:r>
-            <a:r>
-              <a:rPr lang="en-US" altLang="zh-CN" dirty="0" err="1" smtClean="0"/>
-              <a:t>json</a:t>
-            </a:r>
-            <a:r>
-              <a:rPr lang="zh-CN" altLang="en-US" dirty="0" smtClean="0"/>
-              <a:t>格式的数据使用</a:t>
-            </a:r>
-            <a:r>
-              <a:rPr lang="en-US" altLang="zh-CN" dirty="0" smtClean="0"/>
-              <a:t>Spring</a:t>
-            </a:r>
-            <a:r>
-              <a:rPr lang="zh-CN" altLang="en-US" dirty="0" smtClean="0"/>
-              <a:t>中</a:t>
-            </a:r>
-            <a:r>
-              <a:rPr lang="en-US" altLang="zh-CN" dirty="0" smtClean="0"/>
-              <a:t>@</a:t>
-            </a:r>
-            <a:r>
-              <a:rPr lang="en-US" altLang="zh-CN" dirty="0" err="1" smtClean="0"/>
-              <a:t>RequestBody</a:t>
-            </a:r>
-            <a:r>
-              <a:rPr lang="zh-CN" altLang="en-US" dirty="0" smtClean="0"/>
-              <a:t>注解转换成</a:t>
-            </a:r>
-            <a:r>
-              <a:rPr lang="en-US" altLang="zh-CN" dirty="0" smtClean="0"/>
-              <a:t>Map</a:t>
-            </a:r>
-            <a:r>
-              <a:rPr lang="zh-CN" altLang="en-US" dirty="0" smtClean="0"/>
-              <a:t>格式，通过</a:t>
-            </a:r>
-            <a:r>
-              <a:rPr lang="en-US" altLang="zh-CN" dirty="0" smtClean="0"/>
-              <a:t>@</a:t>
-            </a:r>
-            <a:r>
-              <a:rPr lang="en-US" altLang="zh-CN" dirty="0" err="1" smtClean="0"/>
-              <a:t>ResponseBody</a:t>
-            </a:r>
-            <a:r>
-              <a:rPr lang="zh-CN" altLang="en-US" dirty="0" smtClean="0"/>
-              <a:t>注解将返回的</a:t>
-            </a:r>
-            <a:r>
-              <a:rPr lang="en-US" altLang="zh-CN" dirty="0" smtClean="0"/>
-              <a:t>Java</a:t>
-            </a:r>
-            <a:r>
-              <a:rPr lang="zh-CN" altLang="en-US" dirty="0" smtClean="0"/>
-              <a:t>对象转换成</a:t>
-            </a:r>
-            <a:r>
-              <a:rPr lang="en-US" altLang="zh-CN" dirty="0" err="1" smtClean="0"/>
-              <a:t>json</a:t>
-            </a:r>
-            <a:r>
-              <a:rPr lang="zh-CN" altLang="en-US" dirty="0" smtClean="0"/>
-              <a:t>格式的字符串返回给前端</a:t>
-            </a:r>
-            <a:endParaRPr lang="en-US" altLang="zh-CN" dirty="0" smtClean="0"/>
-          </a:p>
-          <a:p>
-            <a:r>
-              <a:rPr lang="en-US" altLang="zh-CN" dirty="0" smtClean="0"/>
-              <a:t>Dao</a:t>
-            </a:r>
-            <a:r>
-              <a:rPr lang="zh-CN" altLang="en-US" dirty="0" smtClean="0"/>
-              <a:t>层的所有类都继承了类</a:t>
-            </a:r>
-            <a:r>
-              <a:rPr lang="en-US" altLang="zh-CN" dirty="0" err="1" smtClean="0"/>
-              <a:t>BaseDao</a:t>
-            </a:r>
-            <a:r>
-              <a:rPr lang="zh-CN" altLang="en-US" dirty="0" smtClean="0"/>
-              <a:t>，通过反射技术来获取运行时类的泛型参数类型，而后初始化相应的</a:t>
-            </a:r>
-            <a:r>
-              <a:rPr lang="en-US" altLang="zh-CN" dirty="0" err="1" smtClean="0"/>
-              <a:t>RowMapper</a:t>
-            </a:r>
-            <a:r>
-              <a:rPr lang="zh-CN" altLang="en-US" dirty="0" smtClean="0"/>
-              <a:t>，通过该方法可实现</a:t>
-            </a:r>
-            <a:r>
-              <a:rPr lang="en-US" altLang="zh-CN" dirty="0" smtClean="0"/>
-              <a:t>Dao</a:t>
-            </a:r>
-            <a:r>
-              <a:rPr lang="zh-CN" altLang="en-US" dirty="0" smtClean="0"/>
-              <a:t>层方法的复用</a:t>
-            </a:r>
+          <a:p>
             <a:endParaRPr lang="zh-CN" altLang="en-US" dirty="0"/>
           </a:p>
         </p:txBody>
       </p:sp>
     </p:spTree>
-    <p:extLst>
-      <p:ext uri="{BB962C8B-B14F-4D97-AF65-F5344CB8AC3E}">
-        <p14:creationId xmlns:p14="http://schemas.microsoft.com/office/powerpoint/2010/main" val="3813096560"/>
-      </p:ext>
-    </p:extLst>
   </p:cSld>
   <p:clrMapOvr>
     <a:masterClrMapping/>
@@ -4189,7 +4173,7 @@
   <a:extraClrSchemeLst/>
   <a:extLst>
     <a:ext uri="{05A4C25C-085E-4340-85A3-A5531E510DB2}">
-      <thm15:themeFamily xmlns:thm15="http://schemas.microsoft.com/office/thememl/2012/main" xmlns="" name="Office Theme" id="{62F939B6-93AF-4DB8-9C6B-D6C7DFDC589F}" vid="{4A3C46E8-61CC-4603-A589-7422A47A8E4A}"/>
+      <thm15:themeFamily xmlns:thm15="http://schemas.microsoft.com/office/thememl/2012/main" name="Office Theme" id="{62F939B6-93AF-4DB8-9C6B-D6C7DFDC589F}" vid="{4A3C46E8-61CC-4603-A589-7422A47A8E4A}"/>
     </a:ext>
   </a:extLst>
 </a:theme>
